--- a/presentation/WDI presentation.pptx
+++ b/presentation/WDI presentation.pptx
@@ -300,7 +300,7 @@
             <a:fld id="{1D8BD707-D9CF-40AE-B4C6-C98DA3205C09}" type="datetimeFigureOut">
               <a:rPr lang="en-US" smtClean="0"/>
               <a:pPr/>
-              <a:t>12/6/2015</a:t>
+              <a:t>12/8/15</a:t>
             </a:fld>
             <a:endParaRPr lang="en-US"/>
           </a:p>
@@ -467,7 +467,7 @@
             <a:fld id="{1D8BD707-D9CF-40AE-B4C6-C98DA3205C09}" type="datetimeFigureOut">
               <a:rPr lang="en-US" smtClean="0"/>
               <a:pPr/>
-              <a:t>12/6/2015</a:t>
+              <a:t>12/8/15</a:t>
             </a:fld>
             <a:endParaRPr lang="en-US"/>
           </a:p>
@@ -644,7 +644,7 @@
             <a:fld id="{1D8BD707-D9CF-40AE-B4C6-C98DA3205C09}" type="datetimeFigureOut">
               <a:rPr lang="en-US" smtClean="0"/>
               <a:pPr/>
-              <a:t>12/6/2015</a:t>
+              <a:t>12/8/15</a:t>
             </a:fld>
             <a:endParaRPr lang="en-US"/>
           </a:p>
@@ -811,7 +811,7 @@
             <a:fld id="{1D8BD707-D9CF-40AE-B4C6-C98DA3205C09}" type="datetimeFigureOut">
               <a:rPr lang="en-US" smtClean="0"/>
               <a:pPr/>
-              <a:t>12/6/2015</a:t>
+              <a:t>12/8/15</a:t>
             </a:fld>
             <a:endParaRPr lang="en-US"/>
           </a:p>
@@ -1054,7 +1054,7 @@
             <a:fld id="{1D8BD707-D9CF-40AE-B4C6-C98DA3205C09}" type="datetimeFigureOut">
               <a:rPr lang="en-US" smtClean="0"/>
               <a:pPr/>
-              <a:t>12/6/2015</a:t>
+              <a:t>12/8/15</a:t>
             </a:fld>
             <a:endParaRPr lang="en-US"/>
           </a:p>
@@ -1339,7 +1339,7 @@
             <a:fld id="{1D8BD707-D9CF-40AE-B4C6-C98DA3205C09}" type="datetimeFigureOut">
               <a:rPr lang="en-US" smtClean="0"/>
               <a:pPr/>
-              <a:t>12/6/2015</a:t>
+              <a:t>12/8/15</a:t>
             </a:fld>
             <a:endParaRPr lang="en-US"/>
           </a:p>
@@ -1758,7 +1758,7 @@
             <a:fld id="{1D8BD707-D9CF-40AE-B4C6-C98DA3205C09}" type="datetimeFigureOut">
               <a:rPr lang="en-US" smtClean="0"/>
               <a:pPr/>
-              <a:t>12/6/2015</a:t>
+              <a:t>12/8/15</a:t>
             </a:fld>
             <a:endParaRPr lang="en-US"/>
           </a:p>
@@ -1873,7 +1873,7 @@
             <a:fld id="{1D8BD707-D9CF-40AE-B4C6-C98DA3205C09}" type="datetimeFigureOut">
               <a:rPr lang="en-US" smtClean="0"/>
               <a:pPr/>
-              <a:t>12/6/2015</a:t>
+              <a:t>12/8/15</a:t>
             </a:fld>
             <a:endParaRPr lang="en-US"/>
           </a:p>
@@ -1965,7 +1965,7 @@
             <a:fld id="{1D8BD707-D9CF-40AE-B4C6-C98DA3205C09}" type="datetimeFigureOut">
               <a:rPr lang="en-US" smtClean="0"/>
               <a:pPr/>
-              <a:t>12/6/2015</a:t>
+              <a:t>12/8/15</a:t>
             </a:fld>
             <a:endParaRPr lang="en-US"/>
           </a:p>
@@ -2239,7 +2239,7 @@
             <a:fld id="{1D8BD707-D9CF-40AE-B4C6-C98DA3205C09}" type="datetimeFigureOut">
               <a:rPr lang="en-US" smtClean="0"/>
               <a:pPr/>
-              <a:t>12/6/2015</a:t>
+              <a:t>12/8/15</a:t>
             </a:fld>
             <a:endParaRPr lang="en-US"/>
           </a:p>
@@ -2489,7 +2489,7 @@
             <a:fld id="{1D8BD707-D9CF-40AE-B4C6-C98DA3205C09}" type="datetimeFigureOut">
               <a:rPr lang="en-US" smtClean="0"/>
               <a:pPr/>
-              <a:t>12/6/2015</a:t>
+              <a:t>12/8/15</a:t>
             </a:fld>
             <a:endParaRPr lang="en-US"/>
           </a:p>
@@ -2699,7 +2699,7 @@
             <a:fld id="{1D8BD707-D9CF-40AE-B4C6-C98DA3205C09}" type="datetimeFigureOut">
               <a:rPr lang="en-US" smtClean="0"/>
               <a:pPr/>
-              <a:t>12/6/2015</a:t>
+              <a:t>12/8/15</a:t>
             </a:fld>
             <a:endParaRPr lang="en-US"/>
           </a:p>
@@ -3356,7 +3356,7 @@
   <p:timing>
     <p:tnLst>
       <p:par>
-        <p:cTn id="1" dur="indefinite" restart="never" nodeType="tmRoot"/>
+        <p:cTn xmlns:p14="http://schemas.microsoft.com/office/powerpoint/2010/main" id="1" dur="indefinite" restart="never" nodeType="tmRoot"/>
       </p:par>
     </p:tnLst>
   </p:timing>
@@ -4794,7 +4794,7 @@
   <p:timing>
     <p:tnLst>
       <p:par>
-        <p:cTn id="1" dur="indefinite" restart="never" nodeType="tmRoot"/>
+        <p:cTn xmlns:p14="http://schemas.microsoft.com/office/powerpoint/2010/main" id="1" dur="indefinite" restart="never" nodeType="tmRoot"/>
       </p:par>
     </p:tnLst>
   </p:timing>
@@ -5779,7 +5779,7 @@
   <p:timing>
     <p:tnLst>
       <p:par>
-        <p:cTn id="1" dur="indefinite" restart="never" nodeType="tmRoot"/>
+        <p:cTn xmlns:p14="http://schemas.microsoft.com/office/powerpoint/2010/main" id="1" dur="indefinite" restart="never" nodeType="tmRoot"/>
       </p:par>
     </p:tnLst>
   </p:timing>
@@ -6447,7 +6447,7 @@
   <p:timing>
     <p:tnLst>
       <p:par>
-        <p:cTn id="1" dur="indefinite" restart="never" nodeType="tmRoot"/>
+        <p:cTn xmlns:p14="http://schemas.microsoft.com/office/powerpoint/2010/main" id="1" dur="indefinite" restart="never" nodeType="tmRoot"/>
       </p:par>
     </p:tnLst>
   </p:timing>
